--- a/The Foo Bars.pptx
+++ b/The Foo Bars.pptx
@@ -9,7 +9,8 @@
     <p:sldId id="258" r:id="rId3"/>
     <p:sldId id="259" r:id="rId4"/>
     <p:sldId id="263" r:id="rId5"/>
-    <p:sldId id="264" r:id="rId6"/>
+    <p:sldId id="265" r:id="rId6"/>
+    <p:sldId id="264" r:id="rId7"/>
   </p:sldIdLst>
   <p:sldSz cx="12192000" cy="6858000"/>
   <p:notesSz cx="6858000" cy="9144000"/>
@@ -3892,6 +3893,125 @@
           <p:cNvPr id="2" name="Title 1">
             <a:extLst>
               <a:ext uri="{FF2B5EF4-FFF2-40B4-BE49-F238E27FC236}">
+                <a16:creationId xmlns:a16="http://schemas.microsoft.com/office/drawing/2014/main" id="{12A403DA-AEBB-4A7B-96C4-8D86571875B9}"/>
+              </a:ext>
+            </a:extLst>
+          </p:cNvPr>
+          <p:cNvSpPr>
+            <a:spLocks noGrp="1"/>
+          </p:cNvSpPr>
+          <p:nvPr>
+            <p:ph type="title"/>
+          </p:nvPr>
+        </p:nvSpPr>
+        <p:spPr/>
+        <p:txBody>
+          <a:bodyPr/>
+          <a:lstStyle/>
+          <a:p>
+            <a:endParaRPr lang="en-US"/>
+          </a:p>
+        </p:txBody>
+      </p:sp>
+      <p:sp>
+        <p:nvSpPr>
+          <p:cNvPr id="3" name="Content Placeholder 2">
+            <a:extLst>
+              <a:ext uri="{FF2B5EF4-FFF2-40B4-BE49-F238E27FC236}">
+                <a16:creationId xmlns:a16="http://schemas.microsoft.com/office/drawing/2014/main" id="{EE71B5D3-8FE3-4777-A5D9-1302A39D48B9}"/>
+              </a:ext>
+            </a:extLst>
+          </p:cNvPr>
+          <p:cNvSpPr>
+            <a:spLocks noGrp="1"/>
+          </p:cNvSpPr>
+          <p:nvPr>
+            <p:ph idx="1"/>
+          </p:nvPr>
+        </p:nvSpPr>
+        <p:spPr/>
+        <p:txBody>
+          <a:bodyPr/>
+          <a:lstStyle/>
+          <a:p>
+            <a:pPr marL="0" indent="0">
+              <a:buNone/>
+            </a:pPr>
+            <a:r>
+              <a:rPr lang="en-US" dirty="0">
+                <a:hlinkClick r:id="rId2"/>
+              </a:rPr>
+              <a:t>https://stats.nba.com/players/shooting/?Season=2017-18&amp;SeasonType=Regular%20Season&amp;DistanceRange=By%20Zone</a:t>
+            </a:r>
+            <a:endParaRPr lang="en-US" dirty="0"/>
+          </a:p>
+          <a:p>
+            <a:pPr marL="0" indent="0">
+              <a:buNone/>
+            </a:pPr>
+            <a:r>
+              <a:rPr lang="en-US" dirty="0">
+                <a:hlinkClick r:id="rId3"/>
+              </a:rPr>
+              <a:t>https://the-foo-bars.herokuapp.com/</a:t>
+            </a:r>
+            <a:endParaRPr lang="en-US" dirty="0"/>
+          </a:p>
+          <a:p>
+            <a:pPr marL="0" indent="0">
+              <a:buNone/>
+            </a:pPr>
+            <a:endParaRPr lang="en-US" dirty="0"/>
+          </a:p>
+        </p:txBody>
+      </p:sp>
+    </p:spTree>
+    <p:extLst>
+      <p:ext uri="{BB962C8B-B14F-4D97-AF65-F5344CB8AC3E}">
+        <p14:creationId xmlns:p14="http://schemas.microsoft.com/office/powerpoint/2010/main" val="1921348508"/>
+      </p:ext>
+    </p:extLst>
+  </p:cSld>
+  <p:clrMapOvr>
+    <a:masterClrMapping/>
+  </p:clrMapOvr>
+  <mc:AlternateContent xmlns:mc="http://schemas.openxmlformats.org/markup-compatibility/2006" xmlns:p14="http://schemas.microsoft.com/office/powerpoint/2010/main">
+    <mc:Choice Requires="p14">
+      <p:transition spd="med" p14:dur="700">
+        <p:fade/>
+      </p:transition>
+    </mc:Choice>
+    <mc:Fallback xmlns="">
+      <p:transition spd="med">
+        <p:fade/>
+      </p:transition>
+    </mc:Fallback>
+  </mc:AlternateContent>
+</p:sld>
+</file>
+
+<file path=ppt/slides/slide6.xml><?xml version="1.0" encoding="utf-8"?>
+<p:sld xmlns:a="http://schemas.openxmlformats.org/drawingml/2006/main" xmlns:r="http://schemas.openxmlformats.org/officeDocument/2006/relationships" xmlns:p="http://schemas.openxmlformats.org/presentationml/2006/main">
+  <p:cSld>
+    <p:spTree>
+      <p:nvGrpSpPr>
+        <p:cNvPr id="1" name=""/>
+        <p:cNvGrpSpPr/>
+        <p:nvPr/>
+      </p:nvGrpSpPr>
+      <p:grpSpPr>
+        <a:xfrm>
+          <a:off x="0" y="0"/>
+          <a:ext cx="0" cy="0"/>
+          <a:chOff x="0" y="0"/>
+          <a:chExt cx="0" cy="0"/>
+        </a:xfrm>
+      </p:grpSpPr>
+      <p:sp>
+        <p:nvSpPr>
+          <p:cNvPr id="2" name="Title 1">
+            <a:extLst>
+              <a:ext uri="{FF2B5EF4-FFF2-40B4-BE49-F238E27FC236}">
                 <a16:creationId xmlns:a16="http://schemas.microsoft.com/office/drawing/2014/main" id="{EFCBB9BD-9FF6-474C-8013-13A62E5CFAD9}"/>
               </a:ext>
             </a:extLst>
